--- a/img/our_method.pptx
+++ b/img/our_method.pptx
@@ -3584,7 +3584,7 @@
           <p:nvPr>
             <p:extLst>
               <p:ext uri="{D42A27DB-BD31-4B8C-83A1-F6EECF244321}">
-                <p14:modId xmlns:p14="http://schemas.microsoft.com/office/powerpoint/2010/main" val="2122075863"/>
+                <p14:modId xmlns:p14="http://schemas.microsoft.com/office/powerpoint/2010/main" val="2698258520"/>
               </p:ext>
             </p:extLst>
           </p:nvPr>
@@ -3688,7 +3688,7 @@
                           <a:latin typeface="Arial" panose="020B0604020202020204" pitchFamily="34" charset="0"/>
                           <a:cs typeface="Arial" panose="020B0604020202020204" pitchFamily="34" charset="0"/>
                         </a:rPr>
-                        <a:t>Normal Instruction (Prefix)</a:t>
+                        <a:t>Explicit Normal Instruction (Prefix)</a:t>
                       </a:r>
                     </a:p>
                   </a:txBody>
@@ -3757,7 +3757,7 @@
                           <a:latin typeface="Arial" panose="020B0604020202020204" pitchFamily="34" charset="0"/>
                           <a:cs typeface="Arial" panose="020B0604020202020204" pitchFamily="34" charset="0"/>
                         </a:rPr>
-                        <a:t>Normal Instruction (Suffix)</a:t>
+                        <a:t>Explicit Normal Instruction (Suffix)</a:t>
                       </a:r>
                     </a:p>
                   </a:txBody>
@@ -5078,25 +5078,8 @@
                 <a:latin typeface="Arial" panose="020B0604020202020204" pitchFamily="34" charset="0"/>
                 <a:cs typeface="Arial" panose="020B0604020202020204" pitchFamily="34" charset="0"/>
               </a:rPr>
-              <a:t> can be "toxic", "harmful", "discriminatory", or </a:t>
-            </a:r>
-            <a:r>
-              <a:rPr lang="en-US" sz="800">
-                <a:solidFill>
-                  <a:schemeClr val="tx1"/>
-                </a:solidFill>
-                <a:latin typeface="Arial" panose="020B0604020202020204" pitchFamily="34" charset="0"/>
-                <a:cs typeface="Arial" panose="020B0604020202020204" pitchFamily="34" charset="0"/>
-              </a:rPr>
-              <a:t>"slanderous".</a:t>
-            </a:r>
-            <a:endParaRPr lang="en-US" sz="800" dirty="0">
-              <a:solidFill>
-                <a:schemeClr val="tx1"/>
-              </a:solidFill>
-              <a:latin typeface="Arial" panose="020B0604020202020204" pitchFamily="34" charset="0"/>
-              <a:cs typeface="Arial" panose="020B0604020202020204" pitchFamily="34" charset="0"/>
-            </a:endParaRPr>
+              <a:t> can be "toxic", "harmful", "discriminatory", or "slanderous".</a:t>
+            </a:r>
           </a:p>
         </p:txBody>
       </p:sp>
@@ -5115,7 +5098,7 @@
           <p:nvPr>
             <p:extLst>
               <p:ext uri="{D42A27DB-BD31-4B8C-83A1-F6EECF244321}">
-                <p14:modId xmlns:p14="http://schemas.microsoft.com/office/powerpoint/2010/main" val="2213056229"/>
+                <p14:modId xmlns:p14="http://schemas.microsoft.com/office/powerpoint/2010/main" val="1357741225"/>
               </p:ext>
             </p:extLst>
           </p:nvPr>
@@ -5153,7 +5136,7 @@
                           <a:latin typeface="Arial" panose="020B0604020202020204" pitchFamily="34" charset="0"/>
                           <a:cs typeface="Arial" panose="020B0604020202020204" pitchFamily="34" charset="0"/>
                         </a:rPr>
-                        <a:t>Normal Instruction</a:t>
+                        <a:t>Explicit Normal Instruction</a:t>
                       </a:r>
                     </a:p>
                   </a:txBody>
@@ -6134,7 +6117,7 @@
           <p:nvPr>
             <p:extLst>
               <p:ext uri="{D42A27DB-BD31-4B8C-83A1-F6EECF244321}">
-                <p14:modId xmlns:p14="http://schemas.microsoft.com/office/powerpoint/2010/main" val="731884406"/>
+                <p14:modId xmlns:p14="http://schemas.microsoft.com/office/powerpoint/2010/main" val="1425932520"/>
               </p:ext>
             </p:extLst>
           </p:nvPr>
@@ -6172,7 +6155,7 @@
                           <a:latin typeface="Arial" panose="020B0604020202020204" pitchFamily="34" charset="0"/>
                           <a:cs typeface="Arial" panose="020B0604020202020204" pitchFamily="34" charset="0"/>
                         </a:rPr>
-                        <a:t>Malicious Instruction</a:t>
+                        <a:t>Implicit Malicious Instruction</a:t>
                       </a:r>
                     </a:p>
                   </a:txBody>
@@ -7431,10 +7414,12 @@
           <a:lstStyle/>
           <a:p>
             <a:r>
-              <a:rPr lang="en-US" sz="800" dirty="0">
-                <a:latin typeface="JetBrains Mono" panose="02000009000000000000" pitchFamily="49" charset="0"/>
+              <a:rPr lang="en-US" sz="800" b="0" dirty="0">
+                <a:effectLst/>
+                <a:latin typeface="Arial" panose="020B0604020202020204" pitchFamily="34" charset="0"/>
+                <a:cs typeface="Arial" panose="020B0604020202020204" pitchFamily="34" charset="0"/>
               </a:rPr>
-              <a:t>Remove any redundant words from the following sentence.</a:t>
+              <a:t>Remove the last character from the sentence below.</a:t>
             </a:r>
           </a:p>
         </p:txBody>
